--- a/MEMORIA/Presentación.pptx
+++ b/MEMORIA/Presentación.pptx
@@ -134,7 +134,7 @@
   </p:defaultTextStyle>
   <p:extLst>
     <p:ext uri="{EFAFB233-063F-42B5-8137-9DF3F51BA10A}">
-      <p15:sldGuideLst xmlns:p15="http://schemas.microsoft.com/office/powerpoint/2012/main">
+      <p15:sldGuideLst xmlns:p15="http://schemas.microsoft.com/office/powerpoint/2012/main" xmlns="">
         <p15:guide id="1" orient="horz" pos="2160">
           <p15:clr>
             <a:srgbClr val="A4A3A4"/>
@@ -5162,7 +5162,11 @@
             </a:pPr>
             <a:r>
               <a:rPr lang="es-ES" sz="2400" dirty="0" smtClean="0"/>
-              <a:t>Árbitro: evalúa la práctica.</a:t>
+              <a:t>Evaluador automático: </a:t>
+            </a:r>
+            <a:r>
+              <a:rPr lang="es-ES" sz="2400" dirty="0" smtClean="0"/>
+              <a:t>evalúa la práctica.</a:t>
             </a:r>
             <a:endParaRPr lang="es-ES" sz="2400" dirty="0"/>
           </a:p>
@@ -5259,8 +5263,8 @@
         </p:nvSpPr>
         <p:spPr>
           <a:xfrm>
-            <a:off x="2411760" y="1556792"/>
-            <a:ext cx="4717702" cy="861774"/>
+            <a:off x="971280" y="1567588"/>
+            <a:ext cx="7288918" cy="861774"/>
           </a:xfrm>
           <a:prstGeom prst="rect">
             <a:avLst/>
@@ -5279,7 +5283,7 @@
                   <a:srgbClr val="586E2C"/>
                 </a:solidFill>
               </a:rPr>
-              <a:t>Aplicación gráfica y árbitro</a:t>
+              <a:t>Aplicación gráfica y evaluador automático</a:t>
             </a:r>
             <a:endParaRPr lang="es-ES" sz="3200" dirty="0"/>
           </a:p>
@@ -7409,7 +7413,11 @@
             </a:pPr>
             <a:r>
               <a:rPr lang="es-ES" sz="2400" dirty="0" smtClean="0"/>
-              <a:t>Árbitro: evalúa la solución de la práctica.</a:t>
+              <a:t>Evaluador automático: </a:t>
+            </a:r>
+            <a:r>
+              <a:rPr lang="es-ES" sz="2400" dirty="0" smtClean="0"/>
+              <a:t>evalúa la solución de la práctica.</a:t>
             </a:r>
             <a:endParaRPr lang="es-ES" sz="2400" dirty="0"/>
           </a:p>
@@ -7482,8 +7490,8 @@
         </p:nvSpPr>
         <p:spPr>
           <a:xfrm>
-            <a:off x="2307396" y="1556792"/>
-            <a:ext cx="4717702" cy="861774"/>
+            <a:off x="1176362" y="1491750"/>
+            <a:ext cx="7288918" cy="861774"/>
           </a:xfrm>
           <a:prstGeom prst="rect">
             <a:avLst/>
@@ -7502,7 +7510,7 @@
                   <a:srgbClr val="586E2C"/>
                 </a:solidFill>
               </a:rPr>
-              <a:t>Aplicación gráfica y árbitro</a:t>
+              <a:t>Aplicación gráfica y evaluador automático</a:t>
             </a:r>
             <a:endParaRPr lang="es-ES" sz="3200" dirty="0"/>
           </a:p>
@@ -8673,11 +8681,7 @@
             </a:pPr>
             <a:r>
               <a:rPr lang="es-ES" sz="2400" dirty="0" smtClean="0"/>
-              <a:t>Creación de </a:t>
-            </a:r>
-            <a:r>
-              <a:rPr lang="es-ES" sz="2400" dirty="0" smtClean="0"/>
-              <a:t>las </a:t>
+              <a:t>Creación de las </a:t>
             </a:r>
             <a:r>
               <a:rPr lang="es-ES" sz="2400" dirty="0"/>
@@ -8695,11 +8699,7 @@
             </a:pPr>
             <a:r>
               <a:rPr lang="es-ES" sz="2400" dirty="0" smtClean="0"/>
-              <a:t>Mejora de la </a:t>
-            </a:r>
-            <a:r>
-              <a:rPr lang="es-ES" sz="2400" dirty="0" smtClean="0"/>
-              <a:t>práctica </a:t>
+              <a:t>Mejora de la práctica </a:t>
             </a:r>
             <a:r>
               <a:rPr lang="es-ES" sz="2400" dirty="0"/>
@@ -8721,7 +8721,15 @@
             </a:pPr>
             <a:r>
               <a:rPr lang="es-ES" sz="2400" dirty="0" smtClean="0"/>
-              <a:t>Creación de un árbitro para cada práctica.</a:t>
+              <a:t>Creación de un </a:t>
+            </a:r>
+            <a:r>
+              <a:rPr lang="es-ES" sz="2400" dirty="0" smtClean="0"/>
+              <a:t>evaluador automático para </a:t>
+            </a:r>
+            <a:r>
+              <a:rPr lang="es-ES" sz="2400" dirty="0" smtClean="0"/>
+              <a:t>cada práctica.</a:t>
             </a:r>
           </a:p>
           <a:p>
@@ -10312,15 +10320,7 @@
             </a:pPr>
             <a:r>
               <a:rPr lang="es-ES" sz="2400" dirty="0" smtClean="0"/>
-              <a:t>Aumentar </a:t>
-            </a:r>
-            <a:r>
-              <a:rPr lang="es-ES" sz="2400" dirty="0" smtClean="0"/>
-              <a:t>prácticas </a:t>
-            </a:r>
-            <a:r>
-              <a:rPr lang="es-ES" sz="2400" dirty="0" smtClean="0"/>
-              <a:t>de </a:t>
+              <a:t>Aumentar prácticas de </a:t>
             </a:r>
             <a:r>
               <a:rPr lang="es-ES" sz="2400" dirty="0" err="1" smtClean="0"/>
@@ -10335,11 +10335,7 @@
             </a:pPr>
             <a:r>
               <a:rPr lang="es-ES" sz="2400" dirty="0" smtClean="0"/>
-              <a:t>Mejora </a:t>
-            </a:r>
-            <a:r>
-              <a:rPr lang="es-ES" sz="2400" dirty="0" smtClean="0"/>
-              <a:t>de la práctica </a:t>
+              <a:t>Mejora de la práctica </a:t>
             </a:r>
             <a:r>
               <a:rPr lang="es-ES" sz="2400" dirty="0" err="1" smtClean="0"/>
@@ -10357,11 +10353,7 @@
             </a:pPr>
             <a:r>
               <a:rPr lang="es-ES" sz="2400" dirty="0" smtClean="0"/>
-              <a:t>Creación </a:t>
-            </a:r>
-            <a:r>
-              <a:rPr lang="es-ES" sz="2400" dirty="0" smtClean="0"/>
-              <a:t>de la práctica </a:t>
+              <a:t>Creación de la práctica </a:t>
             </a:r>
             <a:r>
               <a:rPr lang="es-ES" sz="2400" dirty="0"/>
@@ -10394,11 +10386,7 @@
             </a:pPr>
             <a:r>
               <a:rPr lang="es-ES" sz="2400" dirty="0" smtClean="0"/>
-              <a:t>Programación de una solución para cada </a:t>
-            </a:r>
-            <a:r>
-              <a:rPr lang="es-ES" sz="2400" dirty="0" smtClean="0"/>
-              <a:t>práctica.</a:t>
+              <a:t>Programación de una solución para cada práctica.</a:t>
             </a:r>
             <a:endParaRPr lang="es-ES" sz="2400" dirty="0"/>
           </a:p>
@@ -11364,7 +11352,11 @@
             </a:pPr>
             <a:r>
               <a:rPr lang="es-ES" sz="2400" dirty="0" smtClean="0"/>
-              <a:t>Árbitro: evalúa la práctica.</a:t>
+              <a:t>Evaluador automático: </a:t>
+            </a:r>
+            <a:r>
+              <a:rPr lang="es-ES" sz="2400" dirty="0" smtClean="0"/>
+              <a:t>evalúa la práctica.</a:t>
             </a:r>
             <a:endParaRPr lang="es-ES" sz="2400" dirty="0"/>
           </a:p>
@@ -11491,8 +11483,8 @@
         </p:nvSpPr>
         <p:spPr>
           <a:xfrm>
-            <a:off x="2267744" y="1699474"/>
-            <a:ext cx="4968552" cy="584775"/>
+            <a:off x="899592" y="1699474"/>
+            <a:ext cx="7344816" cy="584775"/>
           </a:xfrm>
           <a:prstGeom prst="rect">
             <a:avLst/>
@@ -11511,7 +11503,31 @@
                   <a:srgbClr val="586E2C"/>
                 </a:solidFill>
               </a:rPr>
-              <a:t>Aplicación gráfica y árbitro</a:t>
+              <a:t>Aplicación gráfica y </a:t>
+            </a:r>
+            <a:r>
+              <a:rPr lang="es-ES" sz="3200" b="1" dirty="0" smtClean="0">
+                <a:solidFill>
+                  <a:srgbClr val="586E2C"/>
+                </a:solidFill>
+              </a:rPr>
+              <a:t>e</a:t>
+            </a:r>
+            <a:r>
+              <a:rPr lang="es-ES" sz="3200" b="1" dirty="0" smtClean="0">
+                <a:solidFill>
+                  <a:srgbClr val="586E2C"/>
+                </a:solidFill>
+              </a:rPr>
+              <a:t>valuador </a:t>
+            </a:r>
+            <a:r>
+              <a:rPr lang="es-ES" sz="3200" b="1" dirty="0">
+                <a:solidFill>
+                  <a:srgbClr val="586E2C"/>
+                </a:solidFill>
+              </a:rPr>
+              <a:t>automático</a:t>
             </a:r>
             <a:endParaRPr lang="es-ES" sz="3200" dirty="0"/>
           </a:p>

--- a/MEMORIA/Presentación.pptx
+++ b/MEMORIA/Presentación.pptx
@@ -134,7 +134,7 @@
   </p:defaultTextStyle>
   <p:extLst>
     <p:ext uri="{EFAFB233-063F-42B5-8137-9DF3F51BA10A}">
-      <p15:sldGuideLst xmlns:p15="http://schemas.microsoft.com/office/powerpoint/2012/main" xmlns="">
+      <p15:sldGuideLst xmlns="" xmlns:p15="http://schemas.microsoft.com/office/powerpoint/2012/main">
         <p15:guide id="1" orient="horz" pos="2160">
           <p15:clr>
             <a:srgbClr val="A4A3A4"/>
@@ -233,7 +233,7 @@
           <a:p>
             <a:fld id="{7799B470-7265-476E-AEAE-B994A4C99C3B}" type="datetimeFigureOut">
               <a:rPr lang="es-ES" smtClean="0"/>
-              <a:t>11/09/2017</a:t>
+              <a:t>25/09/2017</a:t>
             </a:fld>
             <a:endParaRPr lang="es-ES"/>
           </a:p>
@@ -766,7 +766,7 @@
           <a:p>
             <a:fld id="{FAC0EC8D-17F2-4955-98FB-8B3A05AE6EC2}" type="datetimeFigureOut">
               <a:rPr lang="es-ES" smtClean="0"/>
-              <a:t>11/09/2017</a:t>
+              <a:t>25/09/2017</a:t>
             </a:fld>
             <a:endParaRPr lang="es-ES"/>
           </a:p>
@@ -936,7 +936,7 @@
           <a:p>
             <a:fld id="{FAC0EC8D-17F2-4955-98FB-8B3A05AE6EC2}" type="datetimeFigureOut">
               <a:rPr lang="es-ES" smtClean="0"/>
-              <a:t>11/09/2017</a:t>
+              <a:t>25/09/2017</a:t>
             </a:fld>
             <a:endParaRPr lang="es-ES"/>
           </a:p>
@@ -1116,7 +1116,7 @@
           <a:p>
             <a:fld id="{FAC0EC8D-17F2-4955-98FB-8B3A05AE6EC2}" type="datetimeFigureOut">
               <a:rPr lang="es-ES" smtClean="0"/>
-              <a:t>11/09/2017</a:t>
+              <a:t>25/09/2017</a:t>
             </a:fld>
             <a:endParaRPr lang="es-ES"/>
           </a:p>
@@ -1286,7 +1286,7 @@
           <a:p>
             <a:fld id="{FAC0EC8D-17F2-4955-98FB-8B3A05AE6EC2}" type="datetimeFigureOut">
               <a:rPr lang="es-ES" smtClean="0"/>
-              <a:t>11/09/2017</a:t>
+              <a:t>25/09/2017</a:t>
             </a:fld>
             <a:endParaRPr lang="es-ES"/>
           </a:p>
@@ -1532,7 +1532,7 @@
           <a:p>
             <a:fld id="{FAC0EC8D-17F2-4955-98FB-8B3A05AE6EC2}" type="datetimeFigureOut">
               <a:rPr lang="es-ES" smtClean="0"/>
-              <a:t>11/09/2017</a:t>
+              <a:t>25/09/2017</a:t>
             </a:fld>
             <a:endParaRPr lang="es-ES"/>
           </a:p>
@@ -1820,7 +1820,7 @@
           <a:p>
             <a:fld id="{FAC0EC8D-17F2-4955-98FB-8B3A05AE6EC2}" type="datetimeFigureOut">
               <a:rPr lang="es-ES" smtClean="0"/>
-              <a:t>11/09/2017</a:t>
+              <a:t>25/09/2017</a:t>
             </a:fld>
             <a:endParaRPr lang="es-ES"/>
           </a:p>
@@ -2242,7 +2242,7 @@
           <a:p>
             <a:fld id="{FAC0EC8D-17F2-4955-98FB-8B3A05AE6EC2}" type="datetimeFigureOut">
               <a:rPr lang="es-ES" smtClean="0"/>
-              <a:t>11/09/2017</a:t>
+              <a:t>25/09/2017</a:t>
             </a:fld>
             <a:endParaRPr lang="es-ES"/>
           </a:p>
@@ -2360,7 +2360,7 @@
           <a:p>
             <a:fld id="{FAC0EC8D-17F2-4955-98FB-8B3A05AE6EC2}" type="datetimeFigureOut">
               <a:rPr lang="es-ES" smtClean="0"/>
-              <a:t>11/09/2017</a:t>
+              <a:t>25/09/2017</a:t>
             </a:fld>
             <a:endParaRPr lang="es-ES"/>
           </a:p>
@@ -2455,7 +2455,7 @@
           <a:p>
             <a:fld id="{FAC0EC8D-17F2-4955-98FB-8B3A05AE6EC2}" type="datetimeFigureOut">
               <a:rPr lang="es-ES" smtClean="0"/>
-              <a:t>11/09/2017</a:t>
+              <a:t>25/09/2017</a:t>
             </a:fld>
             <a:endParaRPr lang="es-ES"/>
           </a:p>
@@ -2732,7 +2732,7 @@
           <a:p>
             <a:fld id="{FAC0EC8D-17F2-4955-98FB-8B3A05AE6EC2}" type="datetimeFigureOut">
               <a:rPr lang="es-ES" smtClean="0"/>
-              <a:t>11/09/2017</a:t>
+              <a:t>25/09/2017</a:t>
             </a:fld>
             <a:endParaRPr lang="es-ES"/>
           </a:p>
@@ -2985,7 +2985,7 @@
           <a:p>
             <a:fld id="{FAC0EC8D-17F2-4955-98FB-8B3A05AE6EC2}" type="datetimeFigureOut">
               <a:rPr lang="es-ES" smtClean="0"/>
-              <a:t>11/09/2017</a:t>
+              <a:t>25/09/2017</a:t>
             </a:fld>
             <a:endParaRPr lang="es-ES"/>
           </a:p>
@@ -3198,7 +3198,7 @@
           <a:p>
             <a:fld id="{FAC0EC8D-17F2-4955-98FB-8B3A05AE6EC2}" type="datetimeFigureOut">
               <a:rPr lang="es-ES" smtClean="0"/>
-              <a:t>11/09/2017</a:t>
+              <a:t>25/09/2017</a:t>
             </a:fld>
             <a:endParaRPr lang="es-ES"/>
           </a:p>
@@ -3870,7 +3870,27 @@
             </a:pPr>
             <a:r>
               <a:rPr lang="es-ES" sz="2400" dirty="0" smtClean="0"/>
-              <a:t>Propagación de frentes de onda (distancia).</a:t>
+              <a:t>Generación </a:t>
+            </a:r>
+            <a:r>
+              <a:rPr lang="es-ES" sz="2400" dirty="0"/>
+              <a:t>campo ficticio de </a:t>
+            </a:r>
+            <a:r>
+              <a:rPr lang="es-ES" sz="2400" dirty="0" smtClean="0"/>
+              <a:t>navegación </a:t>
+            </a:r>
+            <a:r>
+              <a:rPr lang="es-ES" sz="2400" dirty="0"/>
+              <a:t>global</a:t>
+            </a:r>
+            <a:r>
+              <a:rPr lang="es-ES" sz="2400" dirty="0"/>
+              <a:t> </a:t>
+            </a:r>
+            <a:r>
+              <a:rPr lang="es-ES" sz="2400" dirty="0" smtClean="0"/>
+              <a:t>(distancia).</a:t>
             </a:r>
           </a:p>
           <a:p>
@@ -3880,7 +3900,23 @@
             </a:pPr>
             <a:r>
               <a:rPr lang="es-ES" sz="2400" dirty="0" smtClean="0"/>
-              <a:t>Propagación de obstáculos.</a:t>
+              <a:t>Penalización </a:t>
+            </a:r>
+            <a:r>
+              <a:rPr lang="es-ES" sz="2400" dirty="0"/>
+              <a:t>por </a:t>
+            </a:r>
+            <a:r>
+              <a:rPr lang="es-ES" sz="2400" dirty="0" smtClean="0"/>
+              <a:t>cercanía </a:t>
+            </a:r>
+            <a:r>
+              <a:rPr lang="es-ES" sz="2400" dirty="0"/>
+              <a:t>de </a:t>
+            </a:r>
+            <a:r>
+              <a:rPr lang="es-ES" sz="2400" dirty="0" smtClean="0"/>
+              <a:t>obstáculos.</a:t>
             </a:r>
           </a:p>
           <a:p>
@@ -3890,7 +3926,15 @@
             </a:pPr>
             <a:r>
               <a:rPr lang="es-ES" sz="2400" dirty="0" smtClean="0"/>
-              <a:t>Cálculo de ruta más corta.</a:t>
+              <a:t>Cálculo </a:t>
+            </a:r>
+            <a:r>
+              <a:rPr lang="es-ES" sz="2400" dirty="0" smtClean="0"/>
+              <a:t>de ruta </a:t>
+            </a:r>
+            <a:r>
+              <a:rPr lang="es-ES" sz="2400" dirty="0" smtClean="0"/>
+              <a:t>ideal.</a:t>
             </a:r>
             <a:endParaRPr lang="es-ES" sz="2400" dirty="0"/>
           </a:p>
@@ -4017,8 +4061,8 @@
         </p:nvSpPr>
         <p:spPr>
           <a:xfrm>
-            <a:off x="2267744" y="1628799"/>
-            <a:ext cx="4963931" cy="584775"/>
+            <a:off x="1115616" y="1628799"/>
+            <a:ext cx="6624736" cy="584775"/>
           </a:xfrm>
           <a:prstGeom prst="rect">
             <a:avLst/>
@@ -4037,7 +4081,15 @@
                   <a:srgbClr val="586E2C"/>
                 </a:solidFill>
               </a:rPr>
-              <a:t>Solución: Planificación</a:t>
+              <a:t>Solución de referencia: </a:t>
+            </a:r>
+            <a:r>
+              <a:rPr lang="es-ES" sz="3200" b="1" dirty="0" smtClean="0">
+                <a:solidFill>
+                  <a:srgbClr val="586E2C"/>
+                </a:solidFill>
+              </a:rPr>
+              <a:t>Planificación</a:t>
             </a:r>
             <a:endParaRPr lang="es-ES" sz="3200" dirty="0"/>
           </a:p>
@@ -4362,8 +4414,8 @@
         </p:nvSpPr>
         <p:spPr>
           <a:xfrm>
-            <a:off x="2987824" y="1628800"/>
-            <a:ext cx="3133358" cy="1077218"/>
+            <a:off x="1551984" y="1628800"/>
+            <a:ext cx="5462265" cy="1077218"/>
           </a:xfrm>
           <a:prstGeom prst="rect">
             <a:avLst/>
@@ -4377,12 +4429,12 @@
           <a:lstStyle/>
           <a:p>
             <a:r>
-              <a:rPr lang="es-ES" sz="3200" b="1" dirty="0">
+              <a:rPr lang="es-ES" sz="3200" b="1" dirty="0" smtClean="0">
                 <a:solidFill>
                   <a:srgbClr val="586E2C"/>
                 </a:solidFill>
               </a:rPr>
-              <a:t>Solución: </a:t>
+              <a:t>Solución de referencia: </a:t>
             </a:r>
             <a:r>
               <a:rPr lang="es-ES" sz="3200" b="1" dirty="0" smtClean="0">
@@ -4613,8 +4665,8 @@
         </p:nvSpPr>
         <p:spPr>
           <a:xfrm>
-            <a:off x="3514119" y="1484784"/>
-            <a:ext cx="1633781" cy="584775"/>
+            <a:off x="2501145" y="1491750"/>
+            <a:ext cx="3962688" cy="584775"/>
           </a:xfrm>
           <a:prstGeom prst="rect">
             <a:avLst/>
@@ -4628,12 +4680,12 @@
           <a:lstStyle/>
           <a:p>
             <a:r>
-              <a:rPr lang="es-ES" sz="3200" b="1" dirty="0">
+              <a:rPr lang="es-ES" sz="3200" b="1" dirty="0" smtClean="0">
                 <a:solidFill>
                   <a:srgbClr val="586E2C"/>
                 </a:solidFill>
               </a:rPr>
-              <a:t>Solución</a:t>
+              <a:t>Solución de referencia</a:t>
             </a:r>
             <a:endParaRPr lang="es-ES" sz="3200" dirty="0"/>
           </a:p>
@@ -4775,7 +4827,7 @@
         </p:nvSpPr>
         <p:spPr>
           <a:xfrm>
-            <a:off x="457200" y="2420888"/>
+            <a:off x="551447" y="2132856"/>
             <a:ext cx="8229600" cy="3705275"/>
           </a:xfrm>
         </p:spPr>
@@ -4809,8 +4861,31 @@
             </a:pPr>
             <a:r>
               <a:rPr lang="es-ES" sz="2400" dirty="0" smtClean="0"/>
-              <a:t>Sensor láser para medir distancia.</a:t>
-            </a:r>
+              <a:t>Sensor láser para medir distancia</a:t>
+            </a:r>
+            <a:r>
+              <a:rPr lang="es-ES" sz="2400" dirty="0" smtClean="0"/>
+              <a:t>.</a:t>
+            </a:r>
+          </a:p>
+          <a:p>
+            <a:pPr>
+              <a:buFont typeface="Wingdings" panose="05000000000000000000" pitchFamily="2" charset="2"/>
+              <a:buChar char="§"/>
+            </a:pPr>
+            <a:r>
+              <a:rPr lang="es-ES" sz="2400" dirty="0" smtClean="0"/>
+              <a:t>Sensor </a:t>
+            </a:r>
+            <a:r>
+              <a:rPr lang="es-ES" sz="2400" dirty="0" err="1" smtClean="0"/>
+              <a:t>bumper</a:t>
+            </a:r>
+            <a:r>
+              <a:rPr lang="es-ES" sz="2400" dirty="0" smtClean="0"/>
+              <a:t>.</a:t>
+            </a:r>
+            <a:endParaRPr lang="es-ES" sz="2400" dirty="0" smtClean="0"/>
           </a:p>
           <a:p>
             <a:pPr>
@@ -4942,7 +5017,7 @@
         </p:nvSpPr>
         <p:spPr>
           <a:xfrm>
-            <a:off x="3059832" y="1628800"/>
+            <a:off x="3087363" y="1484784"/>
             <a:ext cx="2726196" cy="861774"/>
           </a:xfrm>
           <a:prstGeom prst="rect">
@@ -4992,8 +5067,8 @@
         </p:blipFill>
         <p:spPr>
           <a:xfrm>
-            <a:off x="1003966" y="4471204"/>
-            <a:ext cx="2260666" cy="1793183"/>
+            <a:off x="1003966" y="4524790"/>
+            <a:ext cx="2193110" cy="1739597"/>
           </a:xfrm>
           <a:prstGeom prst="rect">
             <a:avLst/>
@@ -5022,8 +5097,8 @@
         </p:blipFill>
         <p:spPr>
           <a:xfrm>
-            <a:off x="3995936" y="4443781"/>
-            <a:ext cx="3240360" cy="1822703"/>
+            <a:off x="3995936" y="4524790"/>
+            <a:ext cx="3096344" cy="1741694"/>
           </a:xfrm>
           <a:prstGeom prst="rect">
             <a:avLst/>
@@ -5162,11 +5237,7 @@
             </a:pPr>
             <a:r>
               <a:rPr lang="es-ES" sz="2400" dirty="0" smtClean="0"/>
-              <a:t>Evaluador automático: </a:t>
-            </a:r>
-            <a:r>
-              <a:rPr lang="es-ES" sz="2400" dirty="0" smtClean="0"/>
-              <a:t>evalúa la práctica.</a:t>
+              <a:t>Evaluador automático: evalúa la práctica.</a:t>
             </a:r>
             <a:endParaRPr lang="es-ES" sz="2400" dirty="0"/>
           </a:p>
@@ -5782,7 +5853,15 @@
             </a:pPr>
             <a:r>
               <a:rPr lang="es-ES" sz="2400" dirty="0" smtClean="0"/>
-              <a:t>El algoritmo es sin </a:t>
+              <a:t>El </a:t>
+            </a:r>
+            <a:r>
+              <a:rPr lang="es-ES" sz="2400" dirty="0" smtClean="0"/>
+              <a:t>algoritmo </a:t>
+            </a:r>
+            <a:r>
+              <a:rPr lang="es-ES" sz="2400" dirty="0" smtClean="0"/>
+              <a:t>sin </a:t>
             </a:r>
             <a:r>
               <a:rPr lang="es-ES" sz="2400" dirty="0" err="1" smtClean="0"/>
@@ -5840,7 +5919,15 @@
             </a:pPr>
             <a:r>
               <a:rPr lang="es-ES" sz="2400" dirty="0" smtClean="0"/>
-              <a:t>Algoritmo basado en el algoritmo que realizan los modelos 500, 600, 700 y 800 de </a:t>
+              <a:t>Algoritmo basado en el </a:t>
+            </a:r>
+            <a:r>
+              <a:rPr lang="es-ES" sz="2400" dirty="0" smtClean="0"/>
+              <a:t>que </a:t>
+            </a:r>
+            <a:r>
+              <a:rPr lang="es-ES" sz="2400" dirty="0" smtClean="0"/>
+              <a:t>realizan los modelos 500, 600, 700 y 800 de </a:t>
             </a:r>
             <a:r>
               <a:rPr lang="es-ES" sz="2400" dirty="0" err="1" smtClean="0"/>
@@ -5953,8 +6040,8 @@
         </p:nvSpPr>
         <p:spPr>
           <a:xfrm>
-            <a:off x="3491880" y="1628800"/>
-            <a:ext cx="1633781" cy="861774"/>
+            <a:off x="2267744" y="1622764"/>
+            <a:ext cx="3962688" cy="861774"/>
           </a:xfrm>
           <a:prstGeom prst="rect">
             <a:avLst/>
@@ -5973,7 +6060,7 @@
                   <a:srgbClr val="586E2C"/>
                 </a:solidFill>
               </a:rPr>
-              <a:t>Solución</a:t>
+              <a:t>Solución de referencia</a:t>
             </a:r>
             <a:endParaRPr lang="es-ES" sz="3200" dirty="0"/>
           </a:p>
@@ -6104,7 +6191,15 @@
             </a:pPr>
             <a:r>
               <a:rPr lang="es-ES" sz="2400" dirty="0" smtClean="0"/>
-              <a:t>Navegación siguiendo un patrón en espiral.</a:t>
+              <a:t>Navegación siguiendo </a:t>
+            </a:r>
+            <a:r>
+              <a:rPr lang="es-ES" sz="2400" dirty="0" smtClean="0"/>
+              <a:t>una espiral</a:t>
+            </a:r>
+            <a:r>
+              <a:rPr lang="es-ES" sz="2400" dirty="0" smtClean="0"/>
+              <a:t>.</a:t>
             </a:r>
           </a:p>
           <a:p>
@@ -6148,8 +6243,25 @@
             </a:pPr>
             <a:r>
               <a:rPr lang="es-ES" sz="2400" dirty="0" smtClean="0"/>
-              <a:t>Será aleatorio tanto el ángulo de giro como la dirección de giro.</a:t>
-            </a:r>
+              <a:t>Ángulo </a:t>
+            </a:r>
+            <a:r>
+              <a:rPr lang="es-ES" sz="2400" dirty="0" smtClean="0"/>
+              <a:t>de giro </a:t>
+            </a:r>
+            <a:r>
+              <a:rPr lang="es-ES" sz="2400" dirty="0" smtClean="0"/>
+              <a:t>y dirección </a:t>
+            </a:r>
+            <a:r>
+              <a:rPr lang="es-ES" sz="2400" dirty="0" smtClean="0"/>
+              <a:t>de </a:t>
+            </a:r>
+            <a:r>
+              <a:rPr lang="es-ES" sz="2400" dirty="0" smtClean="0"/>
+              <a:t>giro aleatorios.</a:t>
+            </a:r>
+            <a:endParaRPr lang="es-ES" sz="2400" dirty="0" smtClean="0"/>
           </a:p>
           <a:p>
             <a:pPr>
@@ -6251,8 +6363,8 @@
         </p:nvSpPr>
         <p:spPr>
           <a:xfrm>
-            <a:off x="3635896" y="1700808"/>
-            <a:ext cx="1633781" cy="861774"/>
+            <a:off x="2411760" y="1711361"/>
+            <a:ext cx="3962688" cy="861774"/>
           </a:xfrm>
           <a:prstGeom prst="rect">
             <a:avLst/>
@@ -6266,12 +6378,12 @@
           <a:lstStyle/>
           <a:p>
             <a:r>
-              <a:rPr lang="es-ES" sz="3200" b="1" dirty="0">
+              <a:rPr lang="es-ES" sz="3200" b="1" dirty="0" smtClean="0">
                 <a:solidFill>
                   <a:srgbClr val="586E2C"/>
                 </a:solidFill>
               </a:rPr>
-              <a:t>Solución</a:t>
+              <a:t>Solución de referencia</a:t>
             </a:r>
             <a:endParaRPr lang="es-ES" sz="3200" dirty="0"/>
           </a:p>
@@ -6524,8 +6636,8 @@
         </p:nvSpPr>
         <p:spPr>
           <a:xfrm>
-            <a:off x="3563888" y="1468119"/>
-            <a:ext cx="1633781" cy="861774"/>
+            <a:off x="2483768" y="1468119"/>
+            <a:ext cx="3962688" cy="861774"/>
           </a:xfrm>
           <a:prstGeom prst="rect">
             <a:avLst/>
@@ -6539,12 +6651,12 @@
           <a:lstStyle/>
           <a:p>
             <a:r>
-              <a:rPr lang="es-ES" sz="3200" b="1" dirty="0">
+              <a:rPr lang="es-ES" sz="3200" b="1" dirty="0" smtClean="0">
                 <a:solidFill>
                   <a:srgbClr val="586E2C"/>
                 </a:solidFill>
               </a:rPr>
-              <a:t>Solución</a:t>
+              <a:t>Solución de referencia</a:t>
             </a:r>
             <a:endParaRPr lang="es-ES" sz="3200" dirty="0"/>
           </a:p>
@@ -7413,11 +7525,7 @@
             </a:pPr>
             <a:r>
               <a:rPr lang="es-ES" sz="2400" dirty="0" smtClean="0"/>
-              <a:t>Evaluador automático: </a:t>
-            </a:r>
-            <a:r>
-              <a:rPr lang="es-ES" sz="2400" dirty="0" smtClean="0"/>
-              <a:t>evalúa la solución de la práctica.</a:t>
+              <a:t>Evaluador automático: evalúa la solución de la práctica.</a:t>
             </a:r>
             <a:endParaRPr lang="es-ES" sz="2400" dirty="0"/>
           </a:p>
@@ -7828,8 +7936,8 @@
         </p:nvSpPr>
         <p:spPr>
           <a:xfrm>
-            <a:off x="3563888" y="1700808"/>
-            <a:ext cx="1633781" cy="861774"/>
+            <a:off x="2339752" y="1700808"/>
+            <a:ext cx="3962688" cy="861774"/>
           </a:xfrm>
           <a:prstGeom prst="rect">
             <a:avLst/>
@@ -7843,12 +7951,12 @@
           <a:lstStyle/>
           <a:p>
             <a:r>
-              <a:rPr lang="es-ES" sz="3200" b="1" dirty="0">
+              <a:rPr lang="es-ES" sz="3200" b="1" dirty="0" smtClean="0">
                 <a:solidFill>
                   <a:srgbClr val="586E2C"/>
                 </a:solidFill>
               </a:rPr>
-              <a:t>Solución</a:t>
+              <a:t>Solución de referencia</a:t>
             </a:r>
             <a:endParaRPr lang="es-ES" sz="3200" dirty="0"/>
           </a:p>
@@ -8115,8 +8223,8 @@
         </p:nvSpPr>
         <p:spPr>
           <a:xfrm>
-            <a:off x="3563888" y="1593666"/>
-            <a:ext cx="1633781" cy="861774"/>
+            <a:off x="2411760" y="1593666"/>
+            <a:ext cx="3962688" cy="861774"/>
           </a:xfrm>
           <a:prstGeom prst="rect">
             <a:avLst/>
@@ -8130,12 +8238,12 @@
           <a:lstStyle/>
           <a:p>
             <a:r>
-              <a:rPr lang="es-ES" sz="3200" b="1" dirty="0">
+              <a:rPr lang="es-ES" sz="3200" b="1" dirty="0" smtClean="0">
                 <a:solidFill>
                   <a:srgbClr val="586E2C"/>
                 </a:solidFill>
               </a:rPr>
-              <a:t>Solución</a:t>
+              <a:t>Solución de referencia</a:t>
             </a:r>
             <a:endParaRPr lang="es-ES" sz="3200" dirty="0"/>
           </a:p>
@@ -8418,8 +8526,8 @@
         </p:nvSpPr>
         <p:spPr>
           <a:xfrm>
-            <a:off x="3635896" y="1556792"/>
-            <a:ext cx="1633781" cy="861774"/>
+            <a:off x="2411760" y="1412776"/>
+            <a:ext cx="3962688" cy="861774"/>
           </a:xfrm>
           <a:prstGeom prst="rect">
             <a:avLst/>
@@ -8433,12 +8541,12 @@
           <a:lstStyle/>
           <a:p>
             <a:r>
-              <a:rPr lang="es-ES" sz="3200" b="1" dirty="0">
+              <a:rPr lang="es-ES" sz="3200" b="1" dirty="0" smtClean="0">
                 <a:solidFill>
                   <a:srgbClr val="586E2C"/>
                 </a:solidFill>
               </a:rPr>
-              <a:t>Solución</a:t>
+              <a:t>Solución de referencia</a:t>
             </a:r>
             <a:endParaRPr lang="es-ES" sz="3200" dirty="0"/>
           </a:p>
@@ -8721,15 +8829,7 @@
             </a:pPr>
             <a:r>
               <a:rPr lang="es-ES" sz="2400" dirty="0" smtClean="0"/>
-              <a:t>Creación de un </a:t>
-            </a:r>
-            <a:r>
-              <a:rPr lang="es-ES" sz="2400" dirty="0" smtClean="0"/>
-              <a:t>evaluador automático para </a:t>
-            </a:r>
-            <a:r>
-              <a:rPr lang="es-ES" sz="2400" dirty="0" smtClean="0"/>
-              <a:t>cada práctica.</a:t>
+              <a:t>Creación de un evaluador automático para cada práctica.</a:t>
             </a:r>
           </a:p>
           <a:p>
@@ -8739,7 +8839,15 @@
             </a:pPr>
             <a:r>
               <a:rPr lang="es-ES" sz="2400" dirty="0" smtClean="0"/>
-              <a:t>Elaboración de un algoritmo de solución en cada práctica.</a:t>
+              <a:t>Elaboración </a:t>
+            </a:r>
+            <a:r>
+              <a:rPr lang="es-ES" sz="2400" dirty="0" smtClean="0"/>
+              <a:t>de una solución de referencia </a:t>
+            </a:r>
+            <a:r>
+              <a:rPr lang="es-ES" sz="2400" dirty="0" smtClean="0"/>
+              <a:t>en cada práctica.</a:t>
             </a:r>
             <a:endParaRPr lang="es-ES" sz="2400" dirty="0"/>
           </a:p>
@@ -10386,7 +10494,15 @@
             </a:pPr>
             <a:r>
               <a:rPr lang="es-ES" sz="2400" dirty="0" smtClean="0"/>
-              <a:t>Programación de una solución para cada práctica.</a:t>
+              <a:t>Programación de una </a:t>
+            </a:r>
+            <a:r>
+              <a:rPr lang="es-ES" sz="2400" dirty="0" smtClean="0"/>
+              <a:t>solución de referencia </a:t>
+            </a:r>
+            <a:r>
+              <a:rPr lang="es-ES" sz="2400" dirty="0" smtClean="0"/>
+              <a:t>para cada práctica.</a:t>
             </a:r>
             <a:endParaRPr lang="es-ES" sz="2400" dirty="0"/>
           </a:p>
@@ -11352,11 +11468,7 @@
             </a:pPr>
             <a:r>
               <a:rPr lang="es-ES" sz="2400" dirty="0" smtClean="0"/>
-              <a:t>Evaluador automático: </a:t>
-            </a:r>
-            <a:r>
-              <a:rPr lang="es-ES" sz="2400" dirty="0" smtClean="0"/>
-              <a:t>evalúa la práctica.</a:t>
+              <a:t>Evaluador automático: evalúa la práctica.</a:t>
             </a:r>
             <a:endParaRPr lang="es-ES" sz="2400" dirty="0"/>
           </a:p>
@@ -11503,23 +11615,7 @@
                   <a:srgbClr val="586E2C"/>
                 </a:solidFill>
               </a:rPr>
-              <a:t>Aplicación gráfica y </a:t>
-            </a:r>
-            <a:r>
-              <a:rPr lang="es-ES" sz="3200" b="1" dirty="0" smtClean="0">
-                <a:solidFill>
-                  <a:srgbClr val="586E2C"/>
-                </a:solidFill>
-              </a:rPr>
-              <a:t>e</a:t>
-            </a:r>
-            <a:r>
-              <a:rPr lang="es-ES" sz="3200" b="1" dirty="0" smtClean="0">
-                <a:solidFill>
-                  <a:srgbClr val="586E2C"/>
-                </a:solidFill>
-              </a:rPr>
-              <a:t>valuador </a:t>
+              <a:t>Aplicación gráfica y evaluador </a:t>
             </a:r>
             <a:r>
               <a:rPr lang="es-ES" sz="3200" b="1" dirty="0">
@@ -11906,8 +12002,8 @@
         </p:nvSpPr>
         <p:spPr>
           <a:xfrm>
-            <a:off x="3491880" y="1556792"/>
-            <a:ext cx="1633781" cy="861774"/>
+            <a:off x="2555776" y="1556792"/>
+            <a:ext cx="3962688" cy="861774"/>
           </a:xfrm>
           <a:prstGeom prst="rect">
             <a:avLst/>
@@ -11926,7 +12022,7 @@
                   <a:srgbClr val="586E2C"/>
                 </a:solidFill>
               </a:rPr>
-              <a:t>Solución</a:t>
+              <a:t>Solución de referencia</a:t>
             </a:r>
             <a:endParaRPr lang="es-ES" sz="3200" dirty="0"/>
           </a:p>
